--- a/Meta-Indentity.pptx
+++ b/Meta-Indentity.pptx
@@ -6663,24 +6663,15 @@
               <a:buNone/>
             </a:pPr>
             <a:r>
-              <a:rPr lang="en-US" sz="5400">
+              <a:rPr lang="en-US" sz="5400" dirty="0">
                 <a:solidFill>
-                  <a:schemeClr val="bg1">
-                    <a:lumMod val="25000"/>
-                    <a:lumOff val="75000"/>
+                  <a:schemeClr val="accent1">
+                    <a:lumMod val="75000"/>
                   </a:schemeClr>
                 </a:solidFill>
               </a:rPr>
               <a:t>Meta - Identity</a:t>
             </a:r>
-            <a:endParaRPr lang="en-US" sz="5400" dirty="0">
-              <a:solidFill>
-                <a:schemeClr val="bg1">
-                  <a:lumMod val="25000"/>
-                  <a:lumOff val="75000"/>
-                </a:schemeClr>
-              </a:solidFill>
-            </a:endParaRPr>
           </a:p>
         </p:txBody>
       </p:sp>
@@ -6746,8 +6737,8 @@
         </p:blipFill>
         <p:spPr>
           <a:xfrm>
-            <a:off x="6287721" y="0"/>
-            <a:ext cx="2856279" cy="5143500"/>
+            <a:off x="5605346" y="-1322510"/>
+            <a:ext cx="3590693" cy="6466010"/>
           </a:xfrm>
           <a:prstGeom prst="rect">
             <a:avLst/>
@@ -14194,7 +14185,7 @@
               <a:buNone/>
             </a:pPr>
             <a:r>
-              <a:rPr lang="en" dirty="0"/>
+              <a:rPr lang="en" sz="2000" dirty="0"/>
               <a:t>Make the video experience more real time.</a:t>
             </a:r>
           </a:p>
@@ -14209,7 +14200,7 @@
               <a:buNone/>
             </a:pPr>
             <a:r>
-              <a:rPr lang="en" dirty="0"/>
+              <a:rPr lang="en" sz="2000" dirty="0"/>
               <a:t>The next step to this is to build an AR digital clone into the metaverse. </a:t>
             </a:r>
           </a:p>
@@ -14224,10 +14215,10 @@
               <a:buNone/>
             </a:pPr>
             <a:r>
-              <a:rPr lang="en" dirty="0"/>
+              <a:rPr lang="en" sz="2000" dirty="0"/>
               <a:t>The future scope includes giving almost full thought process autonomy to the digital clone.</a:t>
             </a:r>
-            <a:endParaRPr dirty="0"/>
+            <a:endParaRPr sz="2000" dirty="0"/>
           </a:p>
         </p:txBody>
       </p:sp>
@@ -22586,7 +22577,7 @@
             </a:pPr>
             <a:r>
               <a:rPr lang="en" dirty="0"/>
-              <a:t>Here you have a list of items</a:t>
+              <a:t>Security</a:t>
             </a:r>
             <a:endParaRPr dirty="0"/>
           </a:p>
@@ -24927,7 +24918,7 @@
         </p:nvSpPr>
         <p:spPr>
           <a:xfrm>
-            <a:off x="855300" y="836000"/>
+            <a:off x="855300" y="345891"/>
             <a:ext cx="5307000" cy="396300"/>
           </a:xfrm>
           <a:prstGeom prst="rect">
@@ -24969,7 +24960,7 @@
         </p:nvSpPr>
         <p:spPr>
           <a:xfrm>
-            <a:off x="855300" y="1353948"/>
+            <a:off x="839772" y="1012177"/>
             <a:ext cx="5307000" cy="3033900"/>
           </a:xfrm>
           <a:prstGeom prst="rect">
@@ -24994,8 +24985,21 @@
             </a:pPr>
             <a:r>
               <a:rPr lang="en-US" sz="1600" dirty="0"/>
-              <a:t>- Creating a digital persona or clone has 3 steps in it – 1) Personality cloning via chat data, 2) Speech and voice cloning  and 3) Face and looks cloning.</a:t>
+              <a:t>- Meta-Identity of a person in built with 3 steps – 1) Personality cloning via chat data, 2) Speech and voice cloning  and 3) Face and looks cloning. The web app accepts chat data, speech and input image.</a:t>
             </a:r>
+          </a:p>
+          <a:p>
+            <a:pPr marL="76200" lvl="0" indent="0" algn="l" rtl="0">
+              <a:spcBef>
+                <a:spcPts val="0"/>
+              </a:spcBef>
+              <a:spcAft>
+                <a:spcPts val="0"/>
+              </a:spcAft>
+              <a:buSzPts val="2400"/>
+              <a:buNone/>
+            </a:pPr>
+            <a:endParaRPr lang="en-US" sz="1600" dirty="0"/>
           </a:p>
           <a:p>
             <a:pPr marL="76200" lvl="0" indent="0" algn="l" rtl="0">
@@ -25010,8 +25014,58 @@
             </a:pPr>
             <a:r>
               <a:rPr lang="en-US" sz="1600" dirty="0"/>
-              <a:t>- We used GPT3 NLP model to train our chat bot, GAN for speech cloning, </a:t>
+              <a:t>- We used a variety of ML models, </a:t>
             </a:r>
+            <a:r>
+              <a:rPr lang="en-US" sz="1600" dirty="0" err="1"/>
+              <a:t>dockerized</a:t>
+            </a:r>
+            <a:r>
+              <a:rPr lang="en-US" sz="1600" dirty="0"/>
+              <a:t>, deployed on Google cloud and cascaded together in parallel, along with RESTful services and chat support to generate a human digital clone of oneself.  </a:t>
+            </a:r>
+          </a:p>
+          <a:p>
+            <a:pPr marL="76200" lvl="0" indent="0" algn="l" rtl="0">
+              <a:spcBef>
+                <a:spcPts val="0"/>
+              </a:spcBef>
+              <a:spcAft>
+                <a:spcPts val="0"/>
+              </a:spcAft>
+              <a:buSzPts val="2400"/>
+              <a:buNone/>
+            </a:pPr>
+            <a:endParaRPr lang="en-US" sz="1600" dirty="0"/>
+          </a:p>
+          <a:p>
+            <a:pPr marL="76200" lvl="0" indent="0" algn="l" rtl="0">
+              <a:spcBef>
+                <a:spcPts val="0"/>
+              </a:spcBef>
+              <a:spcAft>
+                <a:spcPts val="0"/>
+              </a:spcAft>
+              <a:buSzPts val="2400"/>
+              <a:buNone/>
+            </a:pPr>
+            <a:r>
+              <a:rPr lang="en-US" sz="1600" dirty="0"/>
+              <a:t>- We used federated learning to train our personality ML model, which protects the privacy of the people, as the model does not know where the data is coming from for training.</a:t>
+            </a:r>
+          </a:p>
+          <a:p>
+            <a:pPr marL="76200" lvl="0" indent="0" algn="l" rtl="0">
+              <a:spcBef>
+                <a:spcPts val="0"/>
+              </a:spcBef>
+              <a:spcAft>
+                <a:spcPts val="0"/>
+              </a:spcAft>
+              <a:buSzPts val="2400"/>
+              <a:buNone/>
+            </a:pPr>
+            <a:endParaRPr lang="en-US" sz="1600" dirty="0"/>
           </a:p>
           <a:p>
             <a:pPr marL="457200" lvl="0" indent="-381000" algn="l" rtl="0">
